--- a/course_material/week_12/week_12_presentation.pptx
+++ b/course_material/week_12/week_12_presentation.pptx
@@ -1838,7 +1838,7 @@
           <a:p>
             <a:fld id="{5CF9EFDB-215C-4120-ADCB-EAD745B7163E}" type="datetimeFigureOut">
               <a:rPr lang="en-US" smtClean="0"/>
-              <a:t>5/16/2021</a:t>
+              <a:t>5/18/2021</a:t>
             </a:fld>
             <a:endParaRPr lang="en-US"/>
           </a:p>
@@ -2551,7 +2551,7 @@
           <a:p>
             <a:fld id="{ACF1A1B0-862D-4909-A7DB-D8ADA062DFCA}" type="datetimeFigureOut">
               <a:rPr lang="en-US" dirty="0"/>
-              <a:t>5/16/2021</a:t>
+              <a:t>5/18/2021</a:t>
             </a:fld>
             <a:endParaRPr lang="en-US"/>
           </a:p>
@@ -2774,7 +2774,7 @@
           <a:p>
             <a:fld id="{7B156144-9CB7-4E3A-B87E-A382F9BE05EF}" type="datetimeFigureOut">
               <a:rPr lang="en-US" dirty="0"/>
-              <a:t>5/16/2021</a:t>
+              <a:t>5/18/2021</a:t>
             </a:fld>
             <a:endParaRPr lang="en-US"/>
           </a:p>
@@ -2952,7 +2952,7 @@
           <a:p>
             <a:fld id="{2643D55F-46AB-4791-9172-4FA8DD3A6A9C}" type="datetimeFigureOut">
               <a:rPr lang="en-US" dirty="0"/>
-              <a:t>5/16/2021</a:t>
+              <a:t>5/18/2021</a:t>
             </a:fld>
             <a:endParaRPr lang="en-US"/>
           </a:p>
@@ -3120,7 +3120,7 @@
           <a:p>
             <a:fld id="{58026881-8A08-449C-8D73-E5F201F814C1}" type="datetimeFigureOut">
               <a:rPr lang="en-US" dirty="0"/>
-              <a:t>5/16/2021</a:t>
+              <a:t>5/18/2021</a:t>
             </a:fld>
             <a:endParaRPr lang="en-US"/>
           </a:p>
@@ -3410,7 +3410,7 @@
           <a:p>
             <a:fld id="{1BEB5A5E-0C07-4E93-A112-D37B4D166B30}" type="datetimeFigureOut">
               <a:rPr lang="en-US" dirty="0"/>
-              <a:t>5/16/2021</a:t>
+              <a:t>5/18/2021</a:t>
             </a:fld>
             <a:endParaRPr lang="en-US"/>
           </a:p>
@@ -3733,7 +3733,7 @@
           <a:p>
             <a:fld id="{9E1F71C5-DC57-4358-A1EA-30C08AF6E3C5}" type="datetimeFigureOut">
               <a:rPr lang="en-US" dirty="0"/>
-              <a:t>5/16/2021</a:t>
+              <a:t>5/18/2021</a:t>
             </a:fld>
             <a:endParaRPr lang="en-US"/>
           </a:p>
@@ -4142,7 +4142,7 @@
           <a:p>
             <a:fld id="{12571DBA-DE60-4731-B773-47AAA185C143}" type="datetimeFigureOut">
               <a:rPr lang="en-US" dirty="0"/>
-              <a:t>5/16/2021</a:t>
+              <a:t>5/18/2021</a:t>
             </a:fld>
             <a:endParaRPr lang="en-US"/>
           </a:p>
@@ -4259,7 +4259,7 @@
           <a:p>
             <a:fld id="{4F170639-886C-4FCF-9EAB-ABB5DA3F3F4A}" type="datetimeFigureOut">
               <a:rPr lang="en-US" dirty="0"/>
-              <a:t>5/16/2021</a:t>
+              <a:t>5/18/2021</a:t>
             </a:fld>
             <a:endParaRPr lang="en-US"/>
           </a:p>
@@ -4354,7 +4354,7 @@
           <a:p>
             <a:fld id="{34C4A628-C83B-4C66-83F4-1711CE3738FD}" type="datetimeFigureOut">
               <a:rPr lang="en-US" dirty="0"/>
-              <a:t>5/16/2021</a:t>
+              <a:t>5/18/2021</a:t>
             </a:fld>
             <a:endParaRPr lang="en-US"/>
           </a:p>
@@ -4639,7 +4639,7 @@
           <a:p>
             <a:fld id="{B88C1D73-9400-43CA-A37F-F9B7D00DE14C}" type="datetimeFigureOut">
               <a:rPr lang="en-US" dirty="0"/>
-              <a:t>5/16/2021</a:t>
+              <a:t>5/18/2021</a:t>
             </a:fld>
             <a:endParaRPr lang="en-US"/>
           </a:p>
@@ -4911,7 +4911,7 @@
           <a:p>
             <a:fld id="{188B7711-B905-4633-B4D7-6F3A49A2E7D9}" type="datetimeFigureOut">
               <a:rPr lang="en-US" dirty="0"/>
-              <a:t>5/16/2021</a:t>
+              <a:t>5/18/2021</a:t>
             </a:fld>
             <a:endParaRPr lang="en-US"/>
           </a:p>
@@ -5161,7 +5161,7 @@
             <a:fld id="{89C235CF-BDA2-4E7E-8BBD-350479985E74}" type="datetimeFigureOut">
               <a:rPr lang="en-US" dirty="0"/>
               <a:pPr/>
-              <a:t>5/16/2021</a:t>
+              <a:t>5/18/2021</a:t>
             </a:fld>
             <a:endParaRPr lang="en-US"/>
           </a:p>
@@ -7119,7 +7119,7 @@
             </a:r>
             <a:r>
               <a:rPr lang="en-US"/>
-              <a:t>Functions (30 </a:t>
+              <a:t>Functions (40 </a:t>
             </a:r>
             <a:r>
               <a:rPr lang="en-US" dirty="0"/>
@@ -7135,7 +7135,7 @@
           <a:p>
             <a:r>
               <a:rPr lang="en-US" dirty="0"/>
-              <a:t>Intro to Machine Learning (40 mins)</a:t>
+              <a:t>Intro to Machine Learning (30 mins)</a:t>
             </a:r>
           </a:p>
           <a:p>

--- a/course_material/week_12/week_12_presentation.pptx
+++ b/course_material/week_12/week_12_presentation.pptx
@@ -1838,7 +1838,7 @@
           <a:p>
             <a:fld id="{5CF9EFDB-215C-4120-ADCB-EAD745B7163E}" type="datetimeFigureOut">
               <a:rPr lang="en-US" smtClean="0"/>
-              <a:t>5/18/2021</a:t>
+              <a:t>5/19/2021</a:t>
             </a:fld>
             <a:endParaRPr lang="en-US"/>
           </a:p>
@@ -2233,6 +2233,93 @@
           <a:bodyPr/>
           <a:lstStyle/>
           <a:p>
+            <a:r>
+              <a:rPr lang="en-US" dirty="0"/>
+              <a:t>https://www.geeksforgeeks.org/applying-lambda-functions-to-pandas-dataframe/</a:t>
+            </a:r>
+          </a:p>
+        </p:txBody>
+      </p:sp>
+      <p:sp>
+        <p:nvSpPr>
+          <p:cNvPr id="4" name="Slide Number Placeholder 3"/>
+          <p:cNvSpPr>
+            <a:spLocks noGrp="1"/>
+          </p:cNvSpPr>
+          <p:nvPr>
+            <p:ph type="sldNum" sz="quarter" idx="5"/>
+          </p:nvPr>
+        </p:nvSpPr>
+        <p:spPr/>
+        <p:txBody>
+          <a:bodyPr/>
+          <a:lstStyle/>
+          <a:p>
+            <a:fld id="{791F1524-C5FD-4370-8A10-5BE52A97A495}" type="slidenum">
+              <a:rPr lang="en-US" smtClean="0"/>
+              <a:t>5</a:t>
+            </a:fld>
+            <a:endParaRPr lang="en-US"/>
+          </a:p>
+        </p:txBody>
+      </p:sp>
+    </p:spTree>
+    <p:extLst>
+      <p:ext uri="{BB962C8B-B14F-4D97-AF65-F5344CB8AC3E}">
+        <p14:creationId xmlns:p14="http://schemas.microsoft.com/office/powerpoint/2010/main" val="3222814615"/>
+      </p:ext>
+    </p:extLst>
+  </p:cSld>
+  <p:clrMapOvr>
+    <a:masterClrMapping/>
+  </p:clrMapOvr>
+</p:notes>
+</file>
+
+<file path=ppt/notesSlides/notesSlide3.xml><?xml version="1.0" encoding="utf-8"?>
+<p:notes xmlns:a="http://schemas.openxmlformats.org/drawingml/2006/main" xmlns:r="http://schemas.openxmlformats.org/officeDocument/2006/relationships" xmlns:p="http://schemas.openxmlformats.org/presentationml/2006/main">
+  <p:cSld>
+    <p:spTree>
+      <p:nvGrpSpPr>
+        <p:cNvPr id="1" name=""/>
+        <p:cNvGrpSpPr/>
+        <p:nvPr/>
+      </p:nvGrpSpPr>
+      <p:grpSpPr>
+        <a:xfrm>
+          <a:off x="0" y="0"/>
+          <a:ext cx="0" cy="0"/>
+          <a:chOff x="0" y="0"/>
+          <a:chExt cx="0" cy="0"/>
+        </a:xfrm>
+      </p:grpSpPr>
+      <p:sp>
+        <p:nvSpPr>
+          <p:cNvPr id="2" name="Slide Image Placeholder 1"/>
+          <p:cNvSpPr>
+            <a:spLocks noGrp="1" noRot="1" noChangeAspect="1"/>
+          </p:cNvSpPr>
+          <p:nvPr>
+            <p:ph type="sldImg"/>
+          </p:nvPr>
+        </p:nvSpPr>
+        <p:spPr/>
+      </p:sp>
+      <p:sp>
+        <p:nvSpPr>
+          <p:cNvPr id="3" name="Notes Placeholder 2"/>
+          <p:cNvSpPr>
+            <a:spLocks noGrp="1"/>
+          </p:cNvSpPr>
+          <p:nvPr>
+            <p:ph type="body" idx="1"/>
+          </p:nvPr>
+        </p:nvSpPr>
+        <p:spPr/>
+        <p:txBody>
+          <a:bodyPr/>
+          <a:lstStyle/>
+          <a:p>
             <a:endParaRPr lang="en-US" dirty="0"/>
           </a:p>
         </p:txBody>
@@ -2273,7 +2360,7 @@
 </p:notes>
 </file>
 
-<file path=ppt/notesSlides/notesSlide3.xml><?xml version="1.0" encoding="utf-8"?>
+<file path=ppt/notesSlides/notesSlide4.xml><?xml version="1.0" encoding="utf-8"?>
 <p:notes xmlns:a="http://schemas.openxmlformats.org/drawingml/2006/main" xmlns:r="http://schemas.openxmlformats.org/officeDocument/2006/relationships" xmlns:p="http://schemas.openxmlformats.org/presentationml/2006/main">
   <p:cSld>
     <p:spTree>
@@ -2551,7 +2638,7 @@
           <a:p>
             <a:fld id="{ACF1A1B0-862D-4909-A7DB-D8ADA062DFCA}" type="datetimeFigureOut">
               <a:rPr lang="en-US" dirty="0"/>
-              <a:t>5/18/2021</a:t>
+              <a:t>5/19/2021</a:t>
             </a:fld>
             <a:endParaRPr lang="en-US"/>
           </a:p>
@@ -2774,7 +2861,7 @@
           <a:p>
             <a:fld id="{7B156144-9CB7-4E3A-B87E-A382F9BE05EF}" type="datetimeFigureOut">
               <a:rPr lang="en-US" dirty="0"/>
-              <a:t>5/18/2021</a:t>
+              <a:t>5/19/2021</a:t>
             </a:fld>
             <a:endParaRPr lang="en-US"/>
           </a:p>
@@ -2952,7 +3039,7 @@
           <a:p>
             <a:fld id="{2643D55F-46AB-4791-9172-4FA8DD3A6A9C}" type="datetimeFigureOut">
               <a:rPr lang="en-US" dirty="0"/>
-              <a:t>5/18/2021</a:t>
+              <a:t>5/19/2021</a:t>
             </a:fld>
             <a:endParaRPr lang="en-US"/>
           </a:p>
@@ -3120,7 +3207,7 @@
           <a:p>
             <a:fld id="{58026881-8A08-449C-8D73-E5F201F814C1}" type="datetimeFigureOut">
               <a:rPr lang="en-US" dirty="0"/>
-              <a:t>5/18/2021</a:t>
+              <a:t>5/19/2021</a:t>
             </a:fld>
             <a:endParaRPr lang="en-US"/>
           </a:p>
@@ -3410,7 +3497,7 @@
           <a:p>
             <a:fld id="{1BEB5A5E-0C07-4E93-A112-D37B4D166B30}" type="datetimeFigureOut">
               <a:rPr lang="en-US" dirty="0"/>
-              <a:t>5/18/2021</a:t>
+              <a:t>5/19/2021</a:t>
             </a:fld>
             <a:endParaRPr lang="en-US"/>
           </a:p>
@@ -3733,7 +3820,7 @@
           <a:p>
             <a:fld id="{9E1F71C5-DC57-4358-A1EA-30C08AF6E3C5}" type="datetimeFigureOut">
               <a:rPr lang="en-US" dirty="0"/>
-              <a:t>5/18/2021</a:t>
+              <a:t>5/19/2021</a:t>
             </a:fld>
             <a:endParaRPr lang="en-US"/>
           </a:p>
@@ -4142,7 +4229,7 @@
           <a:p>
             <a:fld id="{12571DBA-DE60-4731-B773-47AAA185C143}" type="datetimeFigureOut">
               <a:rPr lang="en-US" dirty="0"/>
-              <a:t>5/18/2021</a:t>
+              <a:t>5/19/2021</a:t>
             </a:fld>
             <a:endParaRPr lang="en-US"/>
           </a:p>
@@ -4259,7 +4346,7 @@
           <a:p>
             <a:fld id="{4F170639-886C-4FCF-9EAB-ABB5DA3F3F4A}" type="datetimeFigureOut">
               <a:rPr lang="en-US" dirty="0"/>
-              <a:t>5/18/2021</a:t>
+              <a:t>5/19/2021</a:t>
             </a:fld>
             <a:endParaRPr lang="en-US"/>
           </a:p>
@@ -4354,7 +4441,7 @@
           <a:p>
             <a:fld id="{34C4A628-C83B-4C66-83F4-1711CE3738FD}" type="datetimeFigureOut">
               <a:rPr lang="en-US" dirty="0"/>
-              <a:t>5/18/2021</a:t>
+              <a:t>5/19/2021</a:t>
             </a:fld>
             <a:endParaRPr lang="en-US"/>
           </a:p>
@@ -4639,7 +4726,7 @@
           <a:p>
             <a:fld id="{B88C1D73-9400-43CA-A37F-F9B7D00DE14C}" type="datetimeFigureOut">
               <a:rPr lang="en-US" dirty="0"/>
-              <a:t>5/18/2021</a:t>
+              <a:t>5/19/2021</a:t>
             </a:fld>
             <a:endParaRPr lang="en-US"/>
           </a:p>
@@ -4911,7 +4998,7 @@
           <a:p>
             <a:fld id="{188B7711-B905-4633-B4D7-6F3A49A2E7D9}" type="datetimeFigureOut">
               <a:rPr lang="en-US" dirty="0"/>
-              <a:t>5/18/2021</a:t>
+              <a:t>5/19/2021</a:t>
             </a:fld>
             <a:endParaRPr lang="en-US"/>
           </a:p>
@@ -5161,7 +5248,7 @@
             <a:fld id="{89C235CF-BDA2-4E7E-8BBD-350479985E74}" type="datetimeFigureOut">
               <a:rPr lang="en-US" dirty="0"/>
               <a:pPr/>
-              <a:t>5/18/2021</a:t>
+              <a:t>5/19/2021</a:t>
             </a:fld>
             <a:endParaRPr lang="en-US"/>
           </a:p>
@@ -6760,19 +6847,31 @@
           <a:p>
             <a:r>
               <a:rPr lang="en-US" dirty="0"/>
-              <a:t>Attendance word: </a:t>
+              <a:t>Attendance </a:t>
+            </a:r>
+            <a:r>
+              <a:rPr lang="en-US" dirty="0" err="1"/>
+              <a:t>word:</a:t>
             </a:r>
             <a:r>
               <a:rPr lang="en-US" b="0" i="0" dirty="0" err="1">
                 <a:solidFill>
-                  <a:schemeClr val="tx1">
-                    <a:lumMod val="95000"/>
-                  </a:schemeClr>
+                  <a:schemeClr val="tx1"/>
                 </a:solidFill>
                 <a:effectLst/>
                 <a:latin typeface="Slack-Lato"/>
               </a:rPr>
-              <a:t>TerrificTSQL</a:t>
+              <a:t>CSSConjurer</a:t>
+            </a:r>
+            <a:r>
+              <a:rPr lang="en-US" b="0" i="0" dirty="0">
+                <a:solidFill>
+                  <a:srgbClr val="1D1C1D"/>
+                </a:solidFill>
+                <a:effectLst/>
+                <a:latin typeface="Slack-Lato"/>
+              </a:rPr>
+              <a:t> </a:t>
             </a:r>
             <a:endParaRPr lang="en-US" dirty="0">
               <a:solidFill>
@@ -7115,15 +7214,7 @@
           <a:p>
             <a:r>
               <a:rPr lang="en-US" dirty="0"/>
-              <a:t>Lambda </a:t>
-            </a:r>
-            <a:r>
-              <a:rPr lang="en-US"/>
-              <a:t>Functions (40 </a:t>
-            </a:r>
-            <a:r>
-              <a:rPr lang="en-US" dirty="0"/>
-              <a:t>mins)</a:t>
+              <a:t>Lambda Functions (35 mins)</a:t>
             </a:r>
           </a:p>
           <a:p>
@@ -7135,7 +7226,7 @@
           <a:p>
             <a:r>
               <a:rPr lang="en-US" dirty="0"/>
-              <a:t>Intro to Machine Learning (30 mins)</a:t>
+              <a:t>Intro to Machine Learning (35 mins)</a:t>
             </a:r>
           </a:p>
           <a:p>
@@ -7584,14 +7675,22 @@
             <a:r>
               <a:rPr lang="en-US" b="0" i="0" dirty="0" err="1">
                 <a:solidFill>
-                  <a:schemeClr val="tx1">
-                    <a:lumMod val="95000"/>
-                  </a:schemeClr>
+                  <a:schemeClr val="tx1"/>
                 </a:solidFill>
                 <a:effectLst/>
                 <a:latin typeface="Slack-Lato"/>
               </a:rPr>
-              <a:t>TerrificTSQL</a:t>
+              <a:t>CSSConjurer</a:t>
+            </a:r>
+            <a:r>
+              <a:rPr lang="en-US" b="0" i="0" dirty="0">
+                <a:solidFill>
+                  <a:srgbClr val="1D1C1D"/>
+                </a:solidFill>
+                <a:effectLst/>
+                <a:latin typeface="Slack-Lato"/>
+              </a:rPr>
+              <a:t> </a:t>
             </a:r>
             <a:endParaRPr lang="en-US" dirty="0">
               <a:solidFill>

--- a/course_material/week_12/week_12_presentation.pptx
+++ b/course_material/week_12/week_12_presentation.pptx
@@ -5,24 +5,25 @@
     <p:sldMasterId id="2147483696" r:id="rId1"/>
   </p:sldMasterIdLst>
   <p:notesMasterIdLst>
-    <p:notesMasterId r:id="rId17"/>
+    <p:notesMasterId r:id="rId18"/>
   </p:notesMasterIdLst>
   <p:sldIdLst>
     <p:sldId id="256" r:id="rId2"/>
     <p:sldId id="274" r:id="rId3"/>
     <p:sldId id="259" r:id="rId4"/>
-    <p:sldId id="315" r:id="rId5"/>
-    <p:sldId id="285" r:id="rId6"/>
-    <p:sldId id="313" r:id="rId7"/>
-    <p:sldId id="314" r:id="rId8"/>
-    <p:sldId id="312" r:id="rId9"/>
-    <p:sldId id="318" r:id="rId10"/>
-    <p:sldId id="319" r:id="rId11"/>
-    <p:sldId id="317" r:id="rId12"/>
-    <p:sldId id="320" r:id="rId13"/>
-    <p:sldId id="316" r:id="rId14"/>
-    <p:sldId id="311" r:id="rId15"/>
-    <p:sldId id="271" r:id="rId16"/>
+    <p:sldId id="321" r:id="rId5"/>
+    <p:sldId id="315" r:id="rId6"/>
+    <p:sldId id="285" r:id="rId7"/>
+    <p:sldId id="313" r:id="rId8"/>
+    <p:sldId id="314" r:id="rId9"/>
+    <p:sldId id="312" r:id="rId10"/>
+    <p:sldId id="318" r:id="rId11"/>
+    <p:sldId id="319" r:id="rId12"/>
+    <p:sldId id="317" r:id="rId13"/>
+    <p:sldId id="320" r:id="rId14"/>
+    <p:sldId id="316" r:id="rId15"/>
+    <p:sldId id="311" r:id="rId16"/>
+    <p:sldId id="271" r:id="rId17"/>
   </p:sldIdLst>
   <p:sldSz cx="12192000" cy="6858000"/>
   <p:notesSz cx="6858000" cy="9144000"/>
@@ -1837,7 +1838,7 @@
           <a:p>
             <a:fld id="{5CF9EFDB-215C-4120-ADCB-EAD745B7163E}" type="datetimeFigureOut">
               <a:rPr lang="en-US" smtClean="0"/>
-              <a:t>12/1/2021</a:t>
+              <a:t>12/8/2021</a:t>
             </a:fld>
             <a:endParaRPr lang="en-US"/>
           </a:p>
@@ -2172,7 +2173,7 @@
           <a:p>
             <a:fld id="{791F1524-C5FD-4370-8A10-5BE52A97A495}" type="slidenum">
               <a:rPr lang="en-US" smtClean="0"/>
-              <a:t>4</a:t>
+              <a:t>5</a:t>
             </a:fld>
             <a:endParaRPr lang="en-US"/>
           </a:p>
@@ -2256,7 +2257,7 @@
           <a:p>
             <a:fld id="{791F1524-C5FD-4370-8A10-5BE52A97A495}" type="slidenum">
               <a:rPr lang="en-US" smtClean="0"/>
-              <a:t>5</a:t>
+              <a:t>6</a:t>
             </a:fld>
             <a:endParaRPr lang="en-US"/>
           </a:p>
@@ -2340,7 +2341,7 @@
           <a:p>
             <a:fld id="{791F1524-C5FD-4370-8A10-5BE52A97A495}" type="slidenum">
               <a:rPr lang="en-US" smtClean="0"/>
-              <a:t>6</a:t>
+              <a:t>7</a:t>
             </a:fld>
             <a:endParaRPr lang="en-US"/>
           </a:p>
@@ -2553,7 +2554,7 @@
           <a:p>
             <a:fld id="{ACF1A1B0-862D-4909-A7DB-D8ADA062DFCA}" type="datetimeFigureOut">
               <a:rPr lang="en-US" dirty="0"/>
-              <a:t>12/1/2021</a:t>
+              <a:t>12/8/2021</a:t>
             </a:fld>
             <a:endParaRPr lang="en-US"/>
           </a:p>
@@ -2776,7 +2777,7 @@
           <a:p>
             <a:fld id="{7B156144-9CB7-4E3A-B87E-A382F9BE05EF}" type="datetimeFigureOut">
               <a:rPr lang="en-US" dirty="0"/>
-              <a:t>12/1/2021</a:t>
+              <a:t>12/8/2021</a:t>
             </a:fld>
             <a:endParaRPr lang="en-US"/>
           </a:p>
@@ -2954,7 +2955,7 @@
           <a:p>
             <a:fld id="{2643D55F-46AB-4791-9172-4FA8DD3A6A9C}" type="datetimeFigureOut">
               <a:rPr lang="en-US" dirty="0"/>
-              <a:t>12/1/2021</a:t>
+              <a:t>12/8/2021</a:t>
             </a:fld>
             <a:endParaRPr lang="en-US"/>
           </a:p>
@@ -3122,7 +3123,7 @@
           <a:p>
             <a:fld id="{58026881-8A08-449C-8D73-E5F201F814C1}" type="datetimeFigureOut">
               <a:rPr lang="en-US" dirty="0"/>
-              <a:t>12/1/2021</a:t>
+              <a:t>12/8/2021</a:t>
             </a:fld>
             <a:endParaRPr lang="en-US"/>
           </a:p>
@@ -3412,7 +3413,7 @@
           <a:p>
             <a:fld id="{1BEB5A5E-0C07-4E93-A112-D37B4D166B30}" type="datetimeFigureOut">
               <a:rPr lang="en-US" dirty="0"/>
-              <a:t>12/1/2021</a:t>
+              <a:t>12/8/2021</a:t>
             </a:fld>
             <a:endParaRPr lang="en-US"/>
           </a:p>
@@ -3735,7 +3736,7 @@
           <a:p>
             <a:fld id="{9E1F71C5-DC57-4358-A1EA-30C08AF6E3C5}" type="datetimeFigureOut">
               <a:rPr lang="en-US" dirty="0"/>
-              <a:t>12/1/2021</a:t>
+              <a:t>12/8/2021</a:t>
             </a:fld>
             <a:endParaRPr lang="en-US"/>
           </a:p>
@@ -4144,7 +4145,7 @@
           <a:p>
             <a:fld id="{12571DBA-DE60-4731-B773-47AAA185C143}" type="datetimeFigureOut">
               <a:rPr lang="en-US" dirty="0"/>
-              <a:t>12/1/2021</a:t>
+              <a:t>12/8/2021</a:t>
             </a:fld>
             <a:endParaRPr lang="en-US"/>
           </a:p>
@@ -4261,7 +4262,7 @@
           <a:p>
             <a:fld id="{4F170639-886C-4FCF-9EAB-ABB5DA3F3F4A}" type="datetimeFigureOut">
               <a:rPr lang="en-US" dirty="0"/>
-              <a:t>12/1/2021</a:t>
+              <a:t>12/8/2021</a:t>
             </a:fld>
             <a:endParaRPr lang="en-US"/>
           </a:p>
@@ -4356,7 +4357,7 @@
           <a:p>
             <a:fld id="{34C4A628-C83B-4C66-83F4-1711CE3738FD}" type="datetimeFigureOut">
               <a:rPr lang="en-US" dirty="0"/>
-              <a:t>12/1/2021</a:t>
+              <a:t>12/8/2021</a:t>
             </a:fld>
             <a:endParaRPr lang="en-US"/>
           </a:p>
@@ -4641,7 +4642,7 @@
           <a:p>
             <a:fld id="{B88C1D73-9400-43CA-A37F-F9B7D00DE14C}" type="datetimeFigureOut">
               <a:rPr lang="en-US" dirty="0"/>
-              <a:t>12/1/2021</a:t>
+              <a:t>12/8/2021</a:t>
             </a:fld>
             <a:endParaRPr lang="en-US"/>
           </a:p>
@@ -4913,7 +4914,7 @@
           <a:p>
             <a:fld id="{188B7711-B905-4633-B4D7-6F3A49A2E7D9}" type="datetimeFigureOut">
               <a:rPr lang="en-US" dirty="0"/>
-              <a:t>12/1/2021</a:t>
+              <a:t>12/8/2021</a:t>
             </a:fld>
             <a:endParaRPr lang="en-US"/>
           </a:p>
@@ -5163,7 +5164,7 @@
             <a:fld id="{89C235CF-BDA2-4E7E-8BBD-350479985E74}" type="datetimeFigureOut">
               <a:rPr lang="en-US" dirty="0"/>
               <a:pPr/>
-              <a:t>12/1/2021</a:t>
+              <a:t>12/8/2021</a:t>
             </a:fld>
             <a:endParaRPr lang="en-US"/>
           </a:p>
@@ -5729,7 +5730,7 @@
           <p:cNvPr id="2" name="Title 1">
             <a:extLst>
               <a:ext uri="{FF2B5EF4-FFF2-40B4-BE49-F238E27FC236}">
-                <a16:creationId xmlns:a16="http://schemas.microsoft.com/office/drawing/2014/main" id="{A18DECEF-AAAE-44AF-82E6-FAB497C649A3}"/>
+                <a16:creationId xmlns:a16="http://schemas.microsoft.com/office/drawing/2014/main" id="{54B637AC-E4A3-40F2-A0A6-B2B6DE78A485}"/>
               </a:ext>
             </a:extLst>
           </p:cNvPr>
@@ -5747,7 +5748,7 @@
           <a:p>
             <a:r>
               <a:rPr lang="en-US" dirty="0"/>
-              <a:t>Feature Engineering</a:t>
+              <a:t>Preprocessing</a:t>
             </a:r>
           </a:p>
         </p:txBody>
@@ -5757,7 +5758,7 @@
           <p:cNvPr id="3" name="Content Placeholder 2">
             <a:extLst>
               <a:ext uri="{FF2B5EF4-FFF2-40B4-BE49-F238E27FC236}">
-                <a16:creationId xmlns:a16="http://schemas.microsoft.com/office/drawing/2014/main" id="{9248828B-64F3-4C25-81C4-4F4816EF6701}"/>
+                <a16:creationId xmlns:a16="http://schemas.microsoft.com/office/drawing/2014/main" id="{AA3B013E-9AC4-429C-906C-80E44B4D0F0C}"/>
               </a:ext>
             </a:extLst>
           </p:cNvPr>
@@ -5773,18 +5774,83 @@
           <a:bodyPr/>
           <a:lstStyle/>
           <a:p>
+            <a:pPr marL="342900" indent="-342900">
+              <a:buAutoNum type="arabicPeriod"/>
+            </a:pPr>
             <a:r>
               <a:rPr lang="en-US" dirty="0"/>
-              <a:t>Definition: selecting variables that are the best predictors for what were trying to predict</a:t>
-            </a:r>
-          </a:p>
-          <a:p>
-            <a:endParaRPr lang="en-US" dirty="0"/>
-          </a:p>
-          <a:p>
+              <a:t>Cleaning up null values</a:t>
+            </a:r>
+          </a:p>
+          <a:p>
+            <a:pPr marL="342900" indent="-342900">
+              <a:buAutoNum type="arabicPeriod"/>
+            </a:pPr>
             <a:r>
               <a:rPr lang="en-US" dirty="0"/>
-              <a:t>Computation times are high if we have too many features, and too many features can lead to over-fitting</a:t>
+              <a:t>Data cleaning (dashes, odd characters, </a:t>
+            </a:r>
+            <a:r>
+              <a:rPr lang="en-US" dirty="0" err="1"/>
+              <a:t>etc</a:t>
+            </a:r>
+            <a:r>
+              <a:rPr lang="en-US" dirty="0"/>
+              <a:t>)</a:t>
+            </a:r>
+          </a:p>
+          <a:p>
+            <a:pPr marL="617220" lvl="1" indent="-342900">
+              <a:buAutoNum type="arabicPeriod"/>
+            </a:pPr>
+            <a:r>
+              <a:rPr lang="en-US" dirty="0"/>
+              <a:t>Handle missing data</a:t>
+            </a:r>
+          </a:p>
+          <a:p>
+            <a:pPr marL="617220" lvl="1" indent="-342900">
+              <a:buAutoNum type="arabicPeriod"/>
+            </a:pPr>
+            <a:r>
+              <a:rPr lang="en-US" dirty="0"/>
+              <a:t>Remove extreme outliers</a:t>
+            </a:r>
+          </a:p>
+          <a:p>
+            <a:pPr marL="342900" indent="-342900">
+              <a:buAutoNum type="arabicPeriod"/>
+            </a:pPr>
+            <a:r>
+              <a:rPr lang="en-US" dirty="0"/>
+              <a:t>One-Hot encoding</a:t>
+            </a:r>
+          </a:p>
+          <a:p>
+            <a:pPr marL="342900" indent="-342900">
+              <a:buAutoNum type="arabicPeriod"/>
+            </a:pPr>
+            <a:r>
+              <a:rPr lang="en-US" dirty="0"/>
+              <a:t>Convert Categorical values to numerical (sometimes that is the same as 3)</a:t>
+            </a:r>
+          </a:p>
+          <a:p>
+            <a:pPr marL="342900" indent="-342900">
+              <a:buAutoNum type="arabicPeriod"/>
+            </a:pPr>
+            <a:r>
+              <a:rPr lang="en-US" dirty="0"/>
+              <a:t>Standardization/Normalization</a:t>
+            </a:r>
+          </a:p>
+          <a:p>
+            <a:pPr marL="342900" indent="-342900">
+              <a:buAutoNum type="arabicPeriod"/>
+            </a:pPr>
+            <a:r>
+              <a:rPr lang="en-US" dirty="0"/>
+              <a:t>Deal with multicollinearity (can be caused by 3)</a:t>
             </a:r>
           </a:p>
         </p:txBody>
@@ -5792,7 +5858,7 @@
     </p:spTree>
     <p:extLst>
       <p:ext uri="{BB962C8B-B14F-4D97-AF65-F5344CB8AC3E}">
-        <p14:creationId xmlns:p14="http://schemas.microsoft.com/office/powerpoint/2010/main" val="3696397764"/>
+        <p14:creationId xmlns:p14="http://schemas.microsoft.com/office/powerpoint/2010/main" val="2729568213"/>
       </p:ext>
     </p:extLst>
   </p:cSld>
@@ -5824,6 +5890,101 @@
           <p:cNvPr id="2" name="Title 1">
             <a:extLst>
               <a:ext uri="{FF2B5EF4-FFF2-40B4-BE49-F238E27FC236}">
+                <a16:creationId xmlns:a16="http://schemas.microsoft.com/office/drawing/2014/main" id="{A18DECEF-AAAE-44AF-82E6-FAB497C649A3}"/>
+              </a:ext>
+            </a:extLst>
+          </p:cNvPr>
+          <p:cNvSpPr>
+            <a:spLocks noGrp="1"/>
+          </p:cNvSpPr>
+          <p:nvPr>
+            <p:ph type="title"/>
+          </p:nvPr>
+        </p:nvSpPr>
+        <p:spPr/>
+        <p:txBody>
+          <a:bodyPr/>
+          <a:lstStyle/>
+          <a:p>
+            <a:r>
+              <a:rPr lang="en-US" dirty="0"/>
+              <a:t>Feature Engineering</a:t>
+            </a:r>
+          </a:p>
+        </p:txBody>
+      </p:sp>
+      <p:sp>
+        <p:nvSpPr>
+          <p:cNvPr id="3" name="Content Placeholder 2">
+            <a:extLst>
+              <a:ext uri="{FF2B5EF4-FFF2-40B4-BE49-F238E27FC236}">
+                <a16:creationId xmlns:a16="http://schemas.microsoft.com/office/drawing/2014/main" id="{9248828B-64F3-4C25-81C4-4F4816EF6701}"/>
+              </a:ext>
+            </a:extLst>
+          </p:cNvPr>
+          <p:cNvSpPr>
+            <a:spLocks noGrp="1"/>
+          </p:cNvSpPr>
+          <p:nvPr>
+            <p:ph idx="1"/>
+          </p:nvPr>
+        </p:nvSpPr>
+        <p:spPr/>
+        <p:txBody>
+          <a:bodyPr/>
+          <a:lstStyle/>
+          <a:p>
+            <a:r>
+              <a:rPr lang="en-US" dirty="0"/>
+              <a:t>Definition: selecting variables that are the best predictors for what were trying to predict</a:t>
+            </a:r>
+          </a:p>
+          <a:p>
+            <a:endParaRPr lang="en-US" dirty="0"/>
+          </a:p>
+          <a:p>
+            <a:r>
+              <a:rPr lang="en-US" dirty="0"/>
+              <a:t>Computation times are high if we have too many features, and too many features can lead to over-fitting</a:t>
+            </a:r>
+          </a:p>
+        </p:txBody>
+      </p:sp>
+    </p:spTree>
+    <p:extLst>
+      <p:ext uri="{BB962C8B-B14F-4D97-AF65-F5344CB8AC3E}">
+        <p14:creationId xmlns:p14="http://schemas.microsoft.com/office/powerpoint/2010/main" val="3696397764"/>
+      </p:ext>
+    </p:extLst>
+  </p:cSld>
+  <p:clrMapOvr>
+    <a:masterClrMapping/>
+  </p:clrMapOvr>
+</p:sld>
+</file>
+
+<file path=ppt/slides/slide12.xml><?xml version="1.0" encoding="utf-8"?>
+<p:sld xmlns:a="http://schemas.openxmlformats.org/drawingml/2006/main" xmlns:r="http://schemas.openxmlformats.org/officeDocument/2006/relationships" xmlns:p="http://schemas.openxmlformats.org/presentationml/2006/main">
+  <p:cSld>
+    <p:spTree>
+      <p:nvGrpSpPr>
+        <p:cNvPr id="1" name=""/>
+        <p:cNvGrpSpPr/>
+        <p:nvPr/>
+      </p:nvGrpSpPr>
+      <p:grpSpPr>
+        <a:xfrm>
+          <a:off x="0" y="0"/>
+          <a:ext cx="0" cy="0"/>
+          <a:chOff x="0" y="0"/>
+          <a:chExt cx="0" cy="0"/>
+        </a:xfrm>
+      </p:grpSpPr>
+      <p:sp>
+        <p:nvSpPr>
+          <p:cNvPr id="2" name="Title 1">
+            <a:extLst>
+              <a:ext uri="{FF2B5EF4-FFF2-40B4-BE49-F238E27FC236}">
                 <a16:creationId xmlns:a16="http://schemas.microsoft.com/office/drawing/2014/main" id="{3EF81216-3E70-4FC9-9487-AB6A3F27990E}"/>
               </a:ext>
             </a:extLst>
@@ -5915,7 +6076,7 @@
 </p:sld>
 </file>
 
-<file path=ppt/slides/slide12.xml><?xml version="1.0" encoding="utf-8"?>
+<file path=ppt/slides/slide13.xml><?xml version="1.0" encoding="utf-8"?>
 <p:sld xmlns:a="http://schemas.openxmlformats.org/drawingml/2006/main" xmlns:r="http://schemas.openxmlformats.org/officeDocument/2006/relationships" xmlns:p="http://schemas.openxmlformats.org/presentationml/2006/main">
   <p:cSld>
     <p:bg>
@@ -6214,7 +6375,7 @@
 </p:sld>
 </file>
 
-<file path=ppt/slides/slide13.xml><?xml version="1.0" encoding="utf-8"?>
+<file path=ppt/slides/slide14.xml><?xml version="1.0" encoding="utf-8"?>
 <p:sld xmlns:a="http://schemas.openxmlformats.org/drawingml/2006/main" xmlns:r="http://schemas.openxmlformats.org/officeDocument/2006/relationships" xmlns:p="http://schemas.openxmlformats.org/presentationml/2006/main">
   <p:cSld>
     <p:bg>
@@ -6534,7 +6695,7 @@
 </p:sld>
 </file>
 
-<file path=ppt/slides/slide14.xml><?xml version="1.0" encoding="utf-8"?>
+<file path=ppt/slides/slide15.xml><?xml version="1.0" encoding="utf-8"?>
 <p:sld xmlns:a="http://schemas.openxmlformats.org/drawingml/2006/main" xmlns:r="http://schemas.openxmlformats.org/officeDocument/2006/relationships" xmlns:p="http://schemas.openxmlformats.org/presentationml/2006/main">
   <p:cSld>
     <p:spTree>
@@ -6651,7 +6812,7 @@
 </p:sld>
 </file>
 
-<file path=ppt/slides/slide15.xml><?xml version="1.0" encoding="utf-8"?>
+<file path=ppt/slides/slide16.xml><?xml version="1.0" encoding="utf-8"?>
 <p:sld xmlns:a="http://schemas.openxmlformats.org/drawingml/2006/main" xmlns:r="http://schemas.openxmlformats.org/officeDocument/2006/relationships" xmlns:p="http://schemas.openxmlformats.org/presentationml/2006/main">
   <p:cSld>
     <p:spTree>
@@ -7018,6 +7179,143 @@
 </file>
 
 <file path=ppt/slides/slide4.xml><?xml version="1.0" encoding="utf-8"?>
+<p:sld xmlns:a="http://schemas.openxmlformats.org/drawingml/2006/main" xmlns:r="http://schemas.openxmlformats.org/officeDocument/2006/relationships" xmlns:p="http://schemas.openxmlformats.org/presentationml/2006/main">
+  <p:cSld>
+    <p:spTree>
+      <p:nvGrpSpPr>
+        <p:cNvPr id="1" name=""/>
+        <p:cNvGrpSpPr/>
+        <p:nvPr/>
+      </p:nvGrpSpPr>
+      <p:grpSpPr>
+        <a:xfrm>
+          <a:off x="0" y="0"/>
+          <a:ext cx="0" cy="0"/>
+          <a:chOff x="0" y="0"/>
+          <a:chExt cx="0" cy="0"/>
+        </a:xfrm>
+      </p:grpSpPr>
+      <p:sp>
+        <p:nvSpPr>
+          <p:cNvPr id="2" name="Title 1">
+            <a:extLst>
+              <a:ext uri="{FF2B5EF4-FFF2-40B4-BE49-F238E27FC236}">
+                <a16:creationId xmlns:a16="http://schemas.microsoft.com/office/drawing/2014/main" id="{10EA8EC9-0ED9-4E6C-9FAD-F9315CD943C8}"/>
+              </a:ext>
+            </a:extLst>
+          </p:cNvPr>
+          <p:cNvSpPr>
+            <a:spLocks noGrp="1"/>
+          </p:cNvSpPr>
+          <p:nvPr>
+            <p:ph type="title"/>
+          </p:nvPr>
+        </p:nvSpPr>
+        <p:spPr/>
+        <p:txBody>
+          <a:bodyPr/>
+          <a:lstStyle/>
+          <a:p>
+            <a:r>
+              <a:rPr lang="en-US" dirty="0"/>
+              <a:t>Panel for Next Week</a:t>
+            </a:r>
+          </a:p>
+        </p:txBody>
+      </p:sp>
+      <p:sp>
+        <p:nvSpPr>
+          <p:cNvPr id="3" name="Content Placeholder 2">
+            <a:extLst>
+              <a:ext uri="{FF2B5EF4-FFF2-40B4-BE49-F238E27FC236}">
+                <a16:creationId xmlns:a16="http://schemas.microsoft.com/office/drawing/2014/main" id="{442E97A6-514E-429E-AF06-1F3622C389DF}"/>
+              </a:ext>
+            </a:extLst>
+          </p:cNvPr>
+          <p:cNvSpPr>
+            <a:spLocks noGrp="1"/>
+          </p:cNvSpPr>
+          <p:nvPr>
+            <p:ph idx="1"/>
+          </p:nvPr>
+        </p:nvSpPr>
+        <p:spPr/>
+        <p:txBody>
+          <a:bodyPr/>
+          <a:lstStyle/>
+          <a:p>
+            <a:r>
+              <a:rPr lang="en-US" dirty="0"/>
+              <a:t>Angelique Zeringue – Data Science Competency Lead at Daugherty</a:t>
+            </a:r>
+          </a:p>
+          <a:p>
+            <a:r>
+              <a:rPr lang="en-US" dirty="0"/>
+              <a:t>Brittany Minor – Medical Informaticist at WashU, </a:t>
+            </a:r>
+            <a:r>
+              <a:rPr lang="en-US" dirty="0" err="1"/>
+              <a:t>LaunchCode</a:t>
+            </a:r>
+            <a:r>
+              <a:rPr lang="en-US" dirty="0"/>
+              <a:t> </a:t>
+            </a:r>
+            <a:r>
+              <a:rPr lang="en-US"/>
+              <a:t>Data Science TA</a:t>
+            </a:r>
+            <a:endParaRPr lang="en-US" dirty="0"/>
+          </a:p>
+          <a:p>
+            <a:r>
+              <a:rPr lang="en-US" dirty="0"/>
+              <a:t>Jeromey Farmer – Global Head of Data and Analytics at </a:t>
+            </a:r>
+            <a:r>
+              <a:rPr lang="en-US" dirty="0" err="1"/>
+              <a:t>Kynetec</a:t>
+            </a:r>
+            <a:r>
+              <a:rPr lang="en-US" dirty="0"/>
+              <a:t>, Professor at WashU, Girl Scouts of Eastern Missouri Board Member</a:t>
+            </a:r>
+          </a:p>
+          <a:p>
+            <a:r>
+              <a:rPr lang="en-US" dirty="0"/>
+              <a:t>Michelle Lacy – Biotechnology Data Engineering Lead at Bayer</a:t>
+            </a:r>
+          </a:p>
+          <a:p>
+            <a:r>
+              <a:rPr lang="en-US" dirty="0"/>
+              <a:t>Susan King – Data and Analytics Lead at Daugherty</a:t>
+            </a:r>
+          </a:p>
+          <a:p>
+            <a:endParaRPr lang="en-US" dirty="0"/>
+          </a:p>
+          <a:p>
+            <a:endParaRPr lang="en-US" dirty="0"/>
+          </a:p>
+        </p:txBody>
+      </p:sp>
+    </p:spTree>
+    <p:extLst>
+      <p:ext uri="{BB962C8B-B14F-4D97-AF65-F5344CB8AC3E}">
+        <p14:creationId xmlns:p14="http://schemas.microsoft.com/office/powerpoint/2010/main" val="4132108358"/>
+      </p:ext>
+    </p:extLst>
+  </p:cSld>
+  <p:clrMapOvr>
+    <a:masterClrMapping/>
+  </p:clrMapOvr>
+</p:sld>
+</file>
+
+<file path=ppt/slides/slide5.xml><?xml version="1.0" encoding="utf-8"?>
 <p:sld xmlns:a="http://schemas.openxmlformats.org/drawingml/2006/main" xmlns:r="http://schemas.openxmlformats.org/officeDocument/2006/relationships" xmlns:p="http://schemas.openxmlformats.org/presentationml/2006/main">
   <p:cSld>
     <p:bg>
@@ -7257,7 +7555,7 @@
 </p:sld>
 </file>
 
-<file path=ppt/slides/slide5.xml><?xml version="1.0" encoding="utf-8"?>
+<file path=ppt/slides/slide6.xml><?xml version="1.0" encoding="utf-8"?>
 <p:sld xmlns:a="http://schemas.openxmlformats.org/drawingml/2006/main" xmlns:r="http://schemas.openxmlformats.org/officeDocument/2006/relationships" xmlns:p="http://schemas.openxmlformats.org/presentationml/2006/main">
   <p:cSld>
     <p:spTree>
@@ -7377,7 +7675,7 @@
 </p:sld>
 </file>
 
-<file path=ppt/slides/slide6.xml><?xml version="1.0" encoding="utf-8"?>
+<file path=ppt/slides/slide7.xml><?xml version="1.0" encoding="utf-8"?>
 <p:sld xmlns:a="http://schemas.openxmlformats.org/drawingml/2006/main" xmlns:r="http://schemas.openxmlformats.org/officeDocument/2006/relationships" xmlns:p="http://schemas.openxmlformats.org/presentationml/2006/main">
   <p:cSld>
     <p:spTree>
@@ -7652,7 +7950,7 @@
 </p:sld>
 </file>
 
-<file path=ppt/slides/slide7.xml><?xml version="1.0" encoding="utf-8"?>
+<file path=ppt/slides/slide8.xml><?xml version="1.0" encoding="utf-8"?>
 <p:sld xmlns:a="http://schemas.openxmlformats.org/drawingml/2006/main" xmlns:r="http://schemas.openxmlformats.org/officeDocument/2006/relationships" xmlns:p="http://schemas.openxmlformats.org/presentationml/2006/main">
   <p:cSld>
     <p:spTree>
@@ -7729,7 +8027,7 @@
 </p:sld>
 </file>
 
-<file path=ppt/slides/slide8.xml><?xml version="1.0" encoding="utf-8"?>
+<file path=ppt/slides/slide9.xml><?xml version="1.0" encoding="utf-8"?>
 <p:sld xmlns:a="http://schemas.openxmlformats.org/drawingml/2006/main" xmlns:r="http://schemas.openxmlformats.org/officeDocument/2006/relationships" xmlns:p="http://schemas.openxmlformats.org/presentationml/2006/main">
   <p:cSld>
     <p:spTree>
@@ -7858,166 +8156,6 @@
     <p:extLst>
       <p:ext uri="{BB962C8B-B14F-4D97-AF65-F5344CB8AC3E}">
         <p14:creationId xmlns:p14="http://schemas.microsoft.com/office/powerpoint/2010/main" val="1040446210"/>
-      </p:ext>
-    </p:extLst>
-  </p:cSld>
-  <p:clrMapOvr>
-    <a:masterClrMapping/>
-  </p:clrMapOvr>
-</p:sld>
-</file>
-
-<file path=ppt/slides/slide9.xml><?xml version="1.0" encoding="utf-8"?>
-<p:sld xmlns:a="http://schemas.openxmlformats.org/drawingml/2006/main" xmlns:r="http://schemas.openxmlformats.org/officeDocument/2006/relationships" xmlns:p="http://schemas.openxmlformats.org/presentationml/2006/main">
-  <p:cSld>
-    <p:spTree>
-      <p:nvGrpSpPr>
-        <p:cNvPr id="1" name=""/>
-        <p:cNvGrpSpPr/>
-        <p:nvPr/>
-      </p:nvGrpSpPr>
-      <p:grpSpPr>
-        <a:xfrm>
-          <a:off x="0" y="0"/>
-          <a:ext cx="0" cy="0"/>
-          <a:chOff x="0" y="0"/>
-          <a:chExt cx="0" cy="0"/>
-        </a:xfrm>
-      </p:grpSpPr>
-      <p:sp>
-        <p:nvSpPr>
-          <p:cNvPr id="2" name="Title 1">
-            <a:extLst>
-              <a:ext uri="{FF2B5EF4-FFF2-40B4-BE49-F238E27FC236}">
-                <a16:creationId xmlns:a16="http://schemas.microsoft.com/office/drawing/2014/main" id="{54B637AC-E4A3-40F2-A0A6-B2B6DE78A485}"/>
-              </a:ext>
-            </a:extLst>
-          </p:cNvPr>
-          <p:cNvSpPr>
-            <a:spLocks noGrp="1"/>
-          </p:cNvSpPr>
-          <p:nvPr>
-            <p:ph type="title"/>
-          </p:nvPr>
-        </p:nvSpPr>
-        <p:spPr/>
-        <p:txBody>
-          <a:bodyPr/>
-          <a:lstStyle/>
-          <a:p>
-            <a:r>
-              <a:rPr lang="en-US" dirty="0"/>
-              <a:t>Preprocessing</a:t>
-            </a:r>
-          </a:p>
-        </p:txBody>
-      </p:sp>
-      <p:sp>
-        <p:nvSpPr>
-          <p:cNvPr id="3" name="Content Placeholder 2">
-            <a:extLst>
-              <a:ext uri="{FF2B5EF4-FFF2-40B4-BE49-F238E27FC236}">
-                <a16:creationId xmlns:a16="http://schemas.microsoft.com/office/drawing/2014/main" id="{AA3B013E-9AC4-429C-906C-80E44B4D0F0C}"/>
-              </a:ext>
-            </a:extLst>
-          </p:cNvPr>
-          <p:cNvSpPr>
-            <a:spLocks noGrp="1"/>
-          </p:cNvSpPr>
-          <p:nvPr>
-            <p:ph idx="1"/>
-          </p:nvPr>
-        </p:nvSpPr>
-        <p:spPr/>
-        <p:txBody>
-          <a:bodyPr/>
-          <a:lstStyle/>
-          <a:p>
-            <a:pPr marL="342900" indent="-342900">
-              <a:buAutoNum type="arabicPeriod"/>
-            </a:pPr>
-            <a:r>
-              <a:rPr lang="en-US" dirty="0"/>
-              <a:t>Cleaning up null values</a:t>
-            </a:r>
-          </a:p>
-          <a:p>
-            <a:pPr marL="342900" indent="-342900">
-              <a:buAutoNum type="arabicPeriod"/>
-            </a:pPr>
-            <a:r>
-              <a:rPr lang="en-US" dirty="0"/>
-              <a:t>Data cleaning (dashes, odd characters, </a:t>
-            </a:r>
-            <a:r>
-              <a:rPr lang="en-US" dirty="0" err="1"/>
-              <a:t>etc</a:t>
-            </a:r>
-            <a:r>
-              <a:rPr lang="en-US" dirty="0"/>
-              <a:t>)</a:t>
-            </a:r>
-          </a:p>
-          <a:p>
-            <a:pPr marL="617220" lvl="1" indent="-342900">
-              <a:buAutoNum type="arabicPeriod"/>
-            </a:pPr>
-            <a:r>
-              <a:rPr lang="en-US" dirty="0"/>
-              <a:t>Handle missing data</a:t>
-            </a:r>
-          </a:p>
-          <a:p>
-            <a:pPr marL="617220" lvl="1" indent="-342900">
-              <a:buAutoNum type="arabicPeriod"/>
-            </a:pPr>
-            <a:r>
-              <a:rPr lang="en-US" dirty="0"/>
-              <a:t>Remove extreme outliers</a:t>
-            </a:r>
-          </a:p>
-          <a:p>
-            <a:pPr marL="342900" indent="-342900">
-              <a:buAutoNum type="arabicPeriod"/>
-            </a:pPr>
-            <a:r>
-              <a:rPr lang="en-US" dirty="0"/>
-              <a:t>One-Hot encoding</a:t>
-            </a:r>
-          </a:p>
-          <a:p>
-            <a:pPr marL="342900" indent="-342900">
-              <a:buAutoNum type="arabicPeriod"/>
-            </a:pPr>
-            <a:r>
-              <a:rPr lang="en-US" dirty="0"/>
-              <a:t>Convert Categorical values to numerical (sometimes that is the same as 3)</a:t>
-            </a:r>
-          </a:p>
-          <a:p>
-            <a:pPr marL="342900" indent="-342900">
-              <a:buAutoNum type="arabicPeriod"/>
-            </a:pPr>
-            <a:r>
-              <a:rPr lang="en-US" dirty="0"/>
-              <a:t>Standardization/Normalization</a:t>
-            </a:r>
-          </a:p>
-          <a:p>
-            <a:pPr marL="342900" indent="-342900">
-              <a:buAutoNum type="arabicPeriod"/>
-            </a:pPr>
-            <a:r>
-              <a:rPr lang="en-US" dirty="0"/>
-              <a:t>Deal with multicollinearity (can be caused by 3)</a:t>
-            </a:r>
-          </a:p>
-        </p:txBody>
-      </p:sp>
-    </p:spTree>
-    <p:extLst>
-      <p:ext uri="{BB962C8B-B14F-4D97-AF65-F5344CB8AC3E}">
-        <p14:creationId xmlns:p14="http://schemas.microsoft.com/office/powerpoint/2010/main" val="2729568213"/>
       </p:ext>
     </p:extLst>
   </p:cSld>
